--- a/notes/React + Redux.pptx
+++ b/notes/React + Redux.pptx
@@ -109,45 +109,30 @@
       </a:defRPr>
     </a:lvl9pPr>
   </p:defaultTextStyle>
+  <p:extLst>
+    <p:ext uri="{EFAFB233-063F-42B5-8137-9DF3F51BA10A}">
+      <p15:sldGuideLst xmlns:p15="http://schemas.microsoft.com/office/powerpoint/2012/main"/>
+    </p:ext>
+  </p:extLst>
 </p:presentation>
 </file>
 
 <file path=ppt/commentAuthors.xml><?xml version="1.0" encoding="utf-8"?>
 <p:cmAuthorLst xmlns:a="http://schemas.openxmlformats.org/drawingml/2006/main" xmlns:r="http://schemas.openxmlformats.org/officeDocument/2006/relationships" xmlns:p="http://schemas.openxmlformats.org/presentationml/2006/main">
   <p:cmAuthor id="1" name="Philip Falkenberg" initials="PF" lastIdx="1" clrIdx="0">
-    <p:extLst>
-      <p:ext uri="{19B8F6BF-5375-455C-9EA6-DF929625EA0E}">
-        <p15:presenceInfo xmlns:p15="http://schemas.microsoft.com/office/powerpoint/2012/main" userId="" providerId=""/>
-      </p:ext>
-    </p:extLst>
+    <p:extLst/>
   </p:cmAuthor>
   <p:cmAuthor id="2" name="Philip Falkenberg" initials="PF [2]" lastIdx="1" clrIdx="1">
-    <p:extLst>
-      <p:ext uri="{19B8F6BF-5375-455C-9EA6-DF929625EA0E}">
-        <p15:presenceInfo xmlns:p15="http://schemas.microsoft.com/office/powerpoint/2012/main" userId="" providerId=""/>
-      </p:ext>
-    </p:extLst>
+    <p:extLst/>
   </p:cmAuthor>
   <p:cmAuthor id="3" name="Philip Falkenberg" initials="PF [3]" lastIdx="1" clrIdx="2">
-    <p:extLst>
-      <p:ext uri="{19B8F6BF-5375-455C-9EA6-DF929625EA0E}">
-        <p15:presenceInfo xmlns:p15="http://schemas.microsoft.com/office/powerpoint/2012/main" userId="" providerId=""/>
-      </p:ext>
-    </p:extLst>
+    <p:extLst/>
   </p:cmAuthor>
   <p:cmAuthor id="4" name="Philip Falkenberg" initials="PF [4]" lastIdx="1" clrIdx="3">
-    <p:extLst>
-      <p:ext uri="{19B8F6BF-5375-455C-9EA6-DF929625EA0E}">
-        <p15:presenceInfo xmlns:p15="http://schemas.microsoft.com/office/powerpoint/2012/main" userId="" providerId=""/>
-      </p:ext>
-    </p:extLst>
+    <p:extLst/>
   </p:cmAuthor>
   <p:cmAuthor id="5" name="Philip Falkenberg" initials="PF [5]" lastIdx="1" clrIdx="4">
-    <p:extLst>
-      <p:ext uri="{19B8F6BF-5375-455C-9EA6-DF929625EA0E}">
-        <p15:presenceInfo xmlns:p15="http://schemas.microsoft.com/office/powerpoint/2012/main" userId="" providerId=""/>
-      </p:ext>
-    </p:extLst>
+    <p:extLst/>
   </p:cmAuthor>
 </p:cmAuthorLst>
 </file>
@@ -3639,108 +3624,6 @@
       </p:cxnSp>
       <p:sp>
         <p:nvSpPr>
-          <p:cNvPr id="7" name="Double Brace 6"/>
-          <p:cNvSpPr/>
-          <p:nvPr/>
-        </p:nvSpPr>
-        <p:spPr>
-          <a:xfrm>
-            <a:off x="8595360" y="6185646"/>
-            <a:ext cx="2990626" cy="365760"/>
-          </a:xfrm>
-          <a:prstGeom prst="bracePair">
-            <a:avLst/>
-          </a:prstGeom>
-          <a:ln w="28575"/>
-        </p:spPr>
-        <p:style>
-          <a:lnRef idx="1">
-            <a:schemeClr val="accent1"/>
-          </a:lnRef>
-          <a:fillRef idx="0">
-            <a:schemeClr val="accent1"/>
-          </a:fillRef>
-          <a:effectRef idx="0">
-            <a:schemeClr val="accent1"/>
-          </a:effectRef>
-          <a:fontRef idx="minor">
-            <a:schemeClr val="tx1"/>
-          </a:fontRef>
-        </p:style>
-        <p:txBody>
-          <a:bodyPr rtlCol="0" anchor="ctr"/>
-          <a:lstStyle/>
-          <a:p>
-            <a:pPr algn="ctr"/>
-            <a:r>
-              <a:rPr lang="en-US" dirty="0" smtClean="0"/>
-              <a:t>Action: TOGGLE, </a:t>
-            </a:r>
-            <a:r>
-              <a:rPr lang="en-US" dirty="0" err="1" smtClean="0"/>
-              <a:t>isOn</a:t>
-            </a:r>
-            <a:r>
-              <a:rPr lang="en-US" dirty="0" smtClean="0"/>
-              <a:t>: false</a:t>
-            </a:r>
-            <a:endParaRPr lang="en-US" dirty="0"/>
-          </a:p>
-        </p:txBody>
-      </p:sp>
-      <p:sp>
-        <p:nvSpPr>
-          <p:cNvPr id="8" name="Double Brace 7"/>
-          <p:cNvSpPr/>
-          <p:nvPr/>
-        </p:nvSpPr>
-        <p:spPr>
-          <a:xfrm>
-            <a:off x="8595360" y="5628041"/>
-            <a:ext cx="2990626" cy="365760"/>
-          </a:xfrm>
-          <a:prstGeom prst="bracePair">
-            <a:avLst/>
-          </a:prstGeom>
-          <a:ln w="28575"/>
-        </p:spPr>
-        <p:style>
-          <a:lnRef idx="1">
-            <a:schemeClr val="accent1"/>
-          </a:lnRef>
-          <a:fillRef idx="0">
-            <a:schemeClr val="accent1"/>
-          </a:fillRef>
-          <a:effectRef idx="0">
-            <a:schemeClr val="accent1"/>
-          </a:effectRef>
-          <a:fontRef idx="minor">
-            <a:schemeClr val="tx1"/>
-          </a:fontRef>
-        </p:style>
-        <p:txBody>
-          <a:bodyPr rtlCol="0" anchor="ctr"/>
-          <a:lstStyle/>
-          <a:p>
-            <a:pPr algn="ctr"/>
-            <a:r>
-              <a:rPr lang="en-US" dirty="0" smtClean="0"/>
-              <a:t>Action: TOGGLE, </a:t>
-            </a:r>
-            <a:r>
-              <a:rPr lang="en-US" dirty="0" err="1" smtClean="0"/>
-              <a:t>isOn</a:t>
-            </a:r>
-            <a:r>
-              <a:rPr lang="en-US" dirty="0" smtClean="0"/>
-              <a:t>: true</a:t>
-            </a:r>
-            <a:endParaRPr lang="en-US" dirty="0"/>
-          </a:p>
-        </p:txBody>
-      </p:sp>
-      <p:sp>
-        <p:nvSpPr>
           <p:cNvPr id="10" name="Rectangle 9"/>
           <p:cNvSpPr/>
           <p:nvPr/>
@@ -3800,18 +3683,20 @@
       </p:sp>
       <p:sp>
         <p:nvSpPr>
-          <p:cNvPr id="11" name="Rectangle 10"/>
+          <p:cNvPr id="3" name="Rectangle 2"/>
           <p:cNvSpPr/>
           <p:nvPr/>
         </p:nvSpPr>
         <p:spPr>
           <a:xfrm>
-            <a:off x="7080233" y="2314513"/>
-            <a:ext cx="1334845" cy="973169"/>
+            <a:off x="8415078" y="4927336"/>
+            <a:ext cx="3357822" cy="1804934"/>
           </a:xfrm>
           <a:prstGeom prst="rect">
             <a:avLst/>
           </a:prstGeom>
+          <a:noFill/>
+          <a:ln w="28575"/>
         </p:spPr>
         <p:style>
           <a:lnRef idx="2">
@@ -3834,17 +3719,49 @@
           <a:lstStyle/>
           <a:p>
             <a:pPr algn="ctr"/>
+            <a:endParaRPr lang="en-US"/>
+          </a:p>
+        </p:txBody>
+      </p:sp>
+      <p:sp>
+        <p:nvSpPr>
+          <p:cNvPr id="8" name="Double Brace 7"/>
+          <p:cNvSpPr/>
+          <p:nvPr/>
+        </p:nvSpPr>
+        <p:spPr>
+          <a:xfrm>
+            <a:off x="8595360" y="5628041"/>
+            <a:ext cx="2990626" cy="365760"/>
+          </a:xfrm>
+          <a:prstGeom prst="bracePair">
+            <a:avLst/>
+          </a:prstGeom>
+          <a:ln w="28575"/>
+        </p:spPr>
+        <p:style>
+          <a:lnRef idx="1">
+            <a:schemeClr val="accent1"/>
+          </a:lnRef>
+          <a:fillRef idx="0">
+            <a:schemeClr val="accent1"/>
+          </a:fillRef>
+          <a:effectRef idx="0">
+            <a:schemeClr val="accent1"/>
+          </a:effectRef>
+          <a:fontRef idx="minor">
+            <a:schemeClr val="tx1"/>
+          </a:fontRef>
+        </p:style>
+        <p:txBody>
+          <a:bodyPr rtlCol="0" anchor="ctr"/>
+          <a:lstStyle/>
+          <a:p>
+            <a:pPr algn="ctr"/>
             <a:r>
               <a:rPr lang="en-US" dirty="0" smtClean="0"/>
-              <a:t>STORE</a:t>
-            </a:r>
-          </a:p>
-          <a:p>
-            <a:pPr algn="ctr"/>
-            <a:endParaRPr lang="en-US" dirty="0"/>
-          </a:p>
-          <a:p>
-            <a:pPr algn="ctr"/>
+              <a:t>Action: TOGGLE, </a:t>
+            </a:r>
             <a:r>
               <a:rPr lang="en-US" dirty="0" err="1" smtClean="0"/>
               <a:t>isOn</a:t>
@@ -3859,13 +3776,64 @@
       </p:sp>
       <p:sp>
         <p:nvSpPr>
-          <p:cNvPr id="12" name="Rectangle 11"/>
+          <p:cNvPr id="7" name="Double Brace 6"/>
           <p:cNvSpPr/>
           <p:nvPr/>
         </p:nvSpPr>
         <p:spPr>
           <a:xfrm>
-            <a:off x="10316166" y="2314513"/>
+            <a:off x="8595360" y="6185646"/>
+            <a:ext cx="2990626" cy="365760"/>
+          </a:xfrm>
+          <a:prstGeom prst="bracePair">
+            <a:avLst/>
+          </a:prstGeom>
+          <a:ln w="28575"/>
+        </p:spPr>
+        <p:style>
+          <a:lnRef idx="1">
+            <a:schemeClr val="accent1"/>
+          </a:lnRef>
+          <a:fillRef idx="0">
+            <a:schemeClr val="accent1"/>
+          </a:fillRef>
+          <a:effectRef idx="0">
+            <a:schemeClr val="accent1"/>
+          </a:effectRef>
+          <a:fontRef idx="minor">
+            <a:schemeClr val="tx1"/>
+          </a:fontRef>
+        </p:style>
+        <p:txBody>
+          <a:bodyPr rtlCol="0" anchor="ctr"/>
+          <a:lstStyle/>
+          <a:p>
+            <a:pPr algn="ctr"/>
+            <a:r>
+              <a:rPr lang="en-US" dirty="0" smtClean="0"/>
+              <a:t>Action: TOGGLE, </a:t>
+            </a:r>
+            <a:r>
+              <a:rPr lang="en-US" dirty="0" err="1" smtClean="0"/>
+              <a:t>isOn</a:t>
+            </a:r>
+            <a:r>
+              <a:rPr lang="en-US" dirty="0" smtClean="0"/>
+              <a:t>: false</a:t>
+            </a:r>
+            <a:endParaRPr lang="en-US" dirty="0"/>
+          </a:p>
+        </p:txBody>
+      </p:sp>
+      <p:sp>
+        <p:nvSpPr>
+          <p:cNvPr id="11" name="Rectangle 10"/>
+          <p:cNvSpPr/>
+          <p:nvPr/>
+        </p:nvSpPr>
+        <p:spPr>
+          <a:xfrm>
+            <a:off x="7080233" y="2314513"/>
             <a:ext cx="1334845" cy="973169"/>
           </a:xfrm>
           <a:prstGeom prst="rect">
@@ -3910,9 +3878,98 @@
             </a:r>
             <a:r>
               <a:rPr lang="en-US" dirty="0" smtClean="0"/>
+              <a:t>: true</a:t>
+            </a:r>
+            <a:endParaRPr lang="en-US" dirty="0"/>
+          </a:p>
+        </p:txBody>
+      </p:sp>
+      <p:sp>
+        <p:nvSpPr>
+          <p:cNvPr id="12" name="Rectangle 11"/>
+          <p:cNvSpPr/>
+          <p:nvPr/>
+        </p:nvSpPr>
+        <p:spPr>
+          <a:xfrm>
+            <a:off x="10316166" y="2314513"/>
+            <a:ext cx="1334845" cy="973169"/>
+          </a:xfrm>
+          <a:prstGeom prst="rect">
+            <a:avLst/>
+          </a:prstGeom>
+        </p:spPr>
+        <p:style>
+          <a:lnRef idx="2">
+            <a:schemeClr val="accent1">
+              <a:shade val="50000"/>
+            </a:schemeClr>
+          </a:lnRef>
+          <a:fillRef idx="1">
+            <a:schemeClr val="accent1"/>
+          </a:fillRef>
+          <a:effectRef idx="0">
+            <a:schemeClr val="accent1"/>
+          </a:effectRef>
+          <a:fontRef idx="minor">
+            <a:schemeClr val="lt1"/>
+          </a:fontRef>
+        </p:style>
+        <p:txBody>
+          <a:bodyPr rtlCol="0" anchor="ctr"/>
+          <a:lstStyle/>
+          <a:p>
+            <a:pPr algn="ctr"/>
+            <a:r>
+              <a:rPr lang="en-US" dirty="0" smtClean="0"/>
+              <a:t>STORE</a:t>
+            </a:r>
+          </a:p>
+          <a:p>
+            <a:pPr algn="ctr"/>
+            <a:endParaRPr lang="en-US" dirty="0"/>
+          </a:p>
+          <a:p>
+            <a:pPr algn="ctr"/>
+            <a:r>
+              <a:rPr lang="en-US" dirty="0" err="1" smtClean="0"/>
+              <a:t>isOn</a:t>
+            </a:r>
+            <a:r>
+              <a:rPr lang="en-US" dirty="0" smtClean="0"/>
               <a:t>: false</a:t>
             </a:r>
             <a:endParaRPr lang="en-US" dirty="0"/>
+          </a:p>
+        </p:txBody>
+      </p:sp>
+      <p:sp>
+        <p:nvSpPr>
+          <p:cNvPr id="14" name="TextBox 13"/>
+          <p:cNvSpPr txBox="1"/>
+          <p:nvPr/>
+        </p:nvSpPr>
+        <p:spPr>
+          <a:xfrm>
+            <a:off x="505018" y="1937899"/>
+            <a:ext cx="391454" cy="369332"/>
+          </a:xfrm>
+          <a:prstGeom prst="rect">
+            <a:avLst/>
+          </a:prstGeom>
+          <a:noFill/>
+        </p:spPr>
+        <p:txBody>
+          <a:bodyPr wrap="none" rtlCol="0">
+            <a:spAutoFit/>
+          </a:bodyPr>
+          <a:lstStyle/>
+          <a:p>
+            <a:r>
+              <a:rPr lang="en-US" smtClean="0"/>
+              <a:t>0s</a:t>
+            </a:r>
+            <a:endParaRPr lang="en-US"/>
           </a:p>
         </p:txBody>
       </p:sp>
@@ -3953,7 +4010,11 @@
             <a:pPr algn="ctr"/>
             <a:r>
               <a:rPr lang="en-US" dirty="0" smtClean="0"/>
-              <a:t>Action: TOGGLE, </a:t>
+              <a:t>Action</a:t>
+            </a:r>
+            <a:r>
+              <a:rPr lang="en-US" dirty="0" smtClean="0"/>
+              <a:t>: TOGGLE, </a:t>
             </a:r>
             <a:r>
               <a:rPr lang="en-US" dirty="0" err="1" smtClean="0"/>
@@ -3964,36 +4025,6 @@
               <a:t>: false</a:t>
             </a:r>
             <a:endParaRPr lang="en-US" dirty="0"/>
-          </a:p>
-        </p:txBody>
-      </p:sp>
-      <p:sp>
-        <p:nvSpPr>
-          <p:cNvPr id="14" name="TextBox 13"/>
-          <p:cNvSpPr txBox="1"/>
-          <p:nvPr/>
-        </p:nvSpPr>
-        <p:spPr>
-          <a:xfrm>
-            <a:off x="505018" y="1937899"/>
-            <a:ext cx="391454" cy="369332"/>
-          </a:xfrm>
-          <a:prstGeom prst="rect">
-            <a:avLst/>
-          </a:prstGeom>
-          <a:noFill/>
-        </p:spPr>
-        <p:txBody>
-          <a:bodyPr wrap="none" rtlCol="0">
-            <a:spAutoFit/>
-          </a:bodyPr>
-          <a:lstStyle/>
-          <a:p>
-            <a:r>
-              <a:rPr lang="en-US" smtClean="0"/>
-              <a:t>0s</a:t>
-            </a:r>
-            <a:endParaRPr lang="en-US"/>
           </a:p>
         </p:txBody>
       </p:sp>
@@ -4406,6 +4437,40 @@
           </a:fontRef>
         </p:style>
       </p:cxnSp>
+      <p:sp>
+        <p:nvSpPr>
+          <p:cNvPr id="9" name="TextBox 8"/>
+          <p:cNvSpPr txBox="1"/>
+          <p:nvPr/>
+        </p:nvSpPr>
+        <p:spPr>
+          <a:xfrm>
+            <a:off x="8415078" y="4535418"/>
+            <a:ext cx="2828323" cy="369332"/>
+          </a:xfrm>
+          <a:prstGeom prst="rect">
+            <a:avLst/>
+          </a:prstGeom>
+          <a:noFill/>
+        </p:spPr>
+        <p:txBody>
+          <a:bodyPr wrap="square" rtlCol="0">
+            <a:spAutoFit/>
+          </a:bodyPr>
+          <a:lstStyle/>
+          <a:p>
+            <a:r>
+              <a:rPr lang="en-US" smtClean="0"/>
+              <a:t>Action </a:t>
+            </a:r>
+            <a:r>
+              <a:rPr lang="en-US" dirty="0" smtClean="0"/>
+              <a:t>Data Stack</a:t>
+            </a:r>
+            <a:endParaRPr lang="en-US" dirty="0"/>
+          </a:p>
+        </p:txBody>
+      </p:sp>
     </p:spTree>
     <p:extLst>
       <p:ext uri="{BB962C8B-B14F-4D97-AF65-F5344CB8AC3E}">

--- a/notes/React + Redux.pptx
+++ b/notes/React + Redux.pptx
@@ -268,7 +268,7 @@
           <a:p>
             <a:fld id="{0D9E87C1-C251-2147-A04A-1249E6871B58}" type="datetimeFigureOut">
               <a:rPr lang="en-US" smtClean="0"/>
-              <a:t>10/31/17</a:t>
+              <a:t>11/19/2017</a:t>
             </a:fld>
             <a:endParaRPr lang="en-US"/>
           </a:p>
@@ -438,7 +438,7 @@
           <a:p>
             <a:fld id="{0D9E87C1-C251-2147-A04A-1249E6871B58}" type="datetimeFigureOut">
               <a:rPr lang="en-US" smtClean="0"/>
-              <a:t>10/31/17</a:t>
+              <a:t>11/19/2017</a:t>
             </a:fld>
             <a:endParaRPr lang="en-US"/>
           </a:p>
@@ -618,7 +618,7 @@
           <a:p>
             <a:fld id="{0D9E87C1-C251-2147-A04A-1249E6871B58}" type="datetimeFigureOut">
               <a:rPr lang="en-US" smtClean="0"/>
-              <a:t>10/31/17</a:t>
+              <a:t>11/19/2017</a:t>
             </a:fld>
             <a:endParaRPr lang="en-US"/>
           </a:p>
@@ -788,7 +788,7 @@
           <a:p>
             <a:fld id="{0D9E87C1-C251-2147-A04A-1249E6871B58}" type="datetimeFigureOut">
               <a:rPr lang="en-US" smtClean="0"/>
-              <a:t>10/31/17</a:t>
+              <a:t>11/19/2017</a:t>
             </a:fld>
             <a:endParaRPr lang="en-US"/>
           </a:p>
@@ -1034,7 +1034,7 @@
           <a:p>
             <a:fld id="{0D9E87C1-C251-2147-A04A-1249E6871B58}" type="datetimeFigureOut">
               <a:rPr lang="en-US" smtClean="0"/>
-              <a:t>10/31/17</a:t>
+              <a:t>11/19/2017</a:t>
             </a:fld>
             <a:endParaRPr lang="en-US"/>
           </a:p>
@@ -1266,7 +1266,7 @@
           <a:p>
             <a:fld id="{0D9E87C1-C251-2147-A04A-1249E6871B58}" type="datetimeFigureOut">
               <a:rPr lang="en-US" smtClean="0"/>
-              <a:t>10/31/17</a:t>
+              <a:t>11/19/2017</a:t>
             </a:fld>
             <a:endParaRPr lang="en-US"/>
           </a:p>
@@ -1633,7 +1633,7 @@
           <a:p>
             <a:fld id="{0D9E87C1-C251-2147-A04A-1249E6871B58}" type="datetimeFigureOut">
               <a:rPr lang="en-US" smtClean="0"/>
-              <a:t>10/31/17</a:t>
+              <a:t>11/19/2017</a:t>
             </a:fld>
             <a:endParaRPr lang="en-US"/>
           </a:p>
@@ -1751,7 +1751,7 @@
           <a:p>
             <a:fld id="{0D9E87C1-C251-2147-A04A-1249E6871B58}" type="datetimeFigureOut">
               <a:rPr lang="en-US" smtClean="0"/>
-              <a:t>10/31/17</a:t>
+              <a:t>11/19/2017</a:t>
             </a:fld>
             <a:endParaRPr lang="en-US"/>
           </a:p>
@@ -1846,7 +1846,7 @@
           <a:p>
             <a:fld id="{0D9E87C1-C251-2147-A04A-1249E6871B58}" type="datetimeFigureOut">
               <a:rPr lang="en-US" smtClean="0"/>
-              <a:t>10/31/17</a:t>
+              <a:t>11/19/2017</a:t>
             </a:fld>
             <a:endParaRPr lang="en-US"/>
           </a:p>
@@ -2123,7 +2123,7 @@
           <a:p>
             <a:fld id="{0D9E87C1-C251-2147-A04A-1249E6871B58}" type="datetimeFigureOut">
               <a:rPr lang="en-US" smtClean="0"/>
-              <a:t>10/31/17</a:t>
+              <a:t>11/19/2017</a:t>
             </a:fld>
             <a:endParaRPr lang="en-US"/>
           </a:p>
@@ -2376,7 +2376,7 @@
           <a:p>
             <a:fld id="{0D9E87C1-C251-2147-A04A-1249E6871B58}" type="datetimeFigureOut">
               <a:rPr lang="en-US" smtClean="0"/>
-              <a:t>10/31/17</a:t>
+              <a:t>11/19/2017</a:t>
             </a:fld>
             <a:endParaRPr lang="en-US"/>
           </a:p>
@@ -2589,7 +2589,7 @@
           <a:p>
             <a:fld id="{0D9E87C1-C251-2147-A04A-1249E6871B58}" type="datetimeFigureOut">
               <a:rPr lang="en-US" smtClean="0"/>
-              <a:t>10/31/17</a:t>
+              <a:t>11/19/2017</a:t>
             </a:fld>
             <a:endParaRPr lang="en-US"/>
           </a:p>
@@ -3070,6 +3070,13 @@
   <p:clrMapOvr>
     <a:masterClrMapping/>
   </p:clrMapOvr>
+  <p:timing>
+    <p:tnLst>
+      <p:par>
+        <p:cTn id="1" dur="indefinite" restart="never" nodeType="tmRoot"/>
+      </p:par>
+    </p:tnLst>
+  </p:timing>
 </p:sld>
 </file>
 
@@ -3163,6 +3170,13 @@
   <p:clrMapOvr>
     <a:masterClrMapping/>
   </p:clrMapOvr>
+  <p:timing>
+    <p:tnLst>
+      <p:par>
+        <p:cTn id="1" dur="indefinite" restart="never" nodeType="tmRoot"/>
+      </p:par>
+    </p:tnLst>
+  </p:timing>
 </p:sld>
 </file>
 
@@ -3218,7 +3232,9 @@
         </p:nvSpPr>
         <p:spPr/>
         <p:txBody>
-          <a:bodyPr/>
+          <a:bodyPr>
+            <a:normAutofit fontScale="92500" lnSpcReduction="20000"/>
+          </a:bodyPr>
           <a:lstStyle/>
           <a:p>
             <a:r>
@@ -3227,22 +3243,66 @@
             </a:r>
           </a:p>
           <a:p>
+            <a:pPr lvl="1"/>
+            <a:r>
+              <a:rPr lang="en-US" dirty="0" smtClean="0"/>
+              <a:t>Returns either </a:t>
+            </a:r>
+            <a:r>
+              <a:rPr lang="en-US" smtClean="0"/>
+              <a:t>payload data or </a:t>
+            </a:r>
+            <a:r>
+              <a:rPr lang="en-US" dirty="0" smtClean="0"/>
+              <a:t>a function</a:t>
+            </a:r>
+            <a:endParaRPr lang="en-US" dirty="0" smtClean="0"/>
+          </a:p>
+          <a:p>
             <a:r>
               <a:rPr lang="en-US" dirty="0" smtClean="0"/>
               <a:t>Reducers</a:t>
             </a:r>
           </a:p>
           <a:p>
+            <a:pPr lvl="1"/>
             <a:r>
               <a:rPr lang="en-US" dirty="0" smtClean="0"/>
-              <a:t>Single Store for State</a:t>
-            </a:r>
+              <a:t>Handles action data and initiates state changes</a:t>
+            </a:r>
+            <a:endParaRPr lang="en-US" dirty="0" smtClean="0"/>
+          </a:p>
+          <a:p>
+            <a:r>
+              <a:rPr lang="en-US" dirty="0" smtClean="0"/>
+              <a:t>Single Store for </a:t>
+            </a:r>
+            <a:r>
+              <a:rPr lang="en-US" dirty="0" smtClean="0"/>
+              <a:t>State</a:t>
+            </a:r>
+          </a:p>
+          <a:p>
+            <a:pPr lvl="1"/>
+            <a:r>
+              <a:rPr lang="en-US" dirty="0" smtClean="0"/>
+              <a:t>Immutable state tree JSON object</a:t>
+            </a:r>
+            <a:endParaRPr lang="en-US" dirty="0" smtClean="0"/>
           </a:p>
           <a:p>
             <a:r>
               <a:rPr lang="en-US" dirty="0" smtClean="0"/>
               <a:t>Dispatcher</a:t>
             </a:r>
+          </a:p>
+          <a:p>
+            <a:pPr lvl="1"/>
+            <a:r>
+              <a:rPr lang="en-US" dirty="0" smtClean="0"/>
+              <a:t>Publish Action data to Reducers</a:t>
+            </a:r>
+            <a:endParaRPr lang="en-US" dirty="0" smtClean="0"/>
           </a:p>
           <a:p>
             <a:r>
@@ -3286,6 +3346,13 @@
   <p:clrMapOvr>
     <a:masterClrMapping/>
   </p:clrMapOvr>
+  <p:timing>
+    <p:tnLst>
+      <p:par>
+        <p:cTn id="1" dur="indefinite" restart="never" nodeType="tmRoot"/>
+      </p:par>
+    </p:tnLst>
+  </p:timing>
 </p:sld>
 </file>
 
@@ -4010,11 +4077,7 @@
             <a:pPr algn="ctr"/>
             <a:r>
               <a:rPr lang="en-US" dirty="0" smtClean="0"/>
-              <a:t>Action</a:t>
-            </a:r>
-            <a:r>
-              <a:rPr lang="en-US" dirty="0" smtClean="0"/>
-              <a:t>: TOGGLE, </a:t>
+              <a:t>Action: TOGGLE, </a:t>
             </a:r>
             <a:r>
               <a:rPr lang="en-US" dirty="0" err="1" smtClean="0"/>
@@ -4617,6 +4680,13 @@
   <p:clrMapOvr>
     <a:masterClrMapping/>
   </p:clrMapOvr>
+  <p:timing>
+    <p:tnLst>
+      <p:par>
+        <p:cTn id="1" dur="indefinite" restart="never" nodeType="tmRoot"/>
+      </p:par>
+    </p:tnLst>
+  </p:timing>
 </p:sld>
 </file>
 
